--- a/courses/theory/slides/lec15-dpll-t.pptx
+++ b/courses/theory/slides/lec15-dpll-t.pptx
@@ -6544,8 +6544,8 @@
           </a:p>
         </p:txBody>
       </p:sp>
-      <mc:AlternateContent xmlns:mc="http://schemas.openxmlformats.org/markup-compatibility/2006">
-        <mc:Choice xmlns:a14="http://schemas.microsoft.com/office/drawing/2010/main" Requires="a14">
+      <mc:AlternateContent xmlns:mc="http://schemas.openxmlformats.org/markup-compatibility/2006" xmlns:a14="http://schemas.microsoft.com/office/drawing/2010/main">
+        <mc:Choice Requires="a14">
           <p:sp>
             <p:nvSpPr>
               <p:cNvPr id="3" name="内容占位符 2">
@@ -6695,7 +6695,7 @@
             </p:txBody>
           </p:sp>
         </mc:Choice>
-        <mc:Fallback>
+        <mc:Fallback xmlns="">
           <p:sp>
             <p:nvSpPr>
               <p:cNvPr id="3" name="内容占位符 2">
@@ -6782,10 +6782,18 @@
           <a:p>
             <a:pPr algn="ctr"/>
             <a:r>
-              <a:rPr kumimoji="1" lang="en-US" altLang="zh-CN" dirty="0"/>
+              <a:rPr kumimoji="1" lang="en-US" altLang="zh-CN" dirty="0">
+                <a:solidFill>
+                  <a:schemeClr val="tx1"/>
+                </a:solidFill>
+              </a:rPr>
               <a:t>DPLL</a:t>
             </a:r>
-            <a:endParaRPr kumimoji="1" lang="zh-CN" altLang="en-US" dirty="0"/>
+            <a:endParaRPr kumimoji="1" lang="zh-CN" altLang="en-US" dirty="0">
+              <a:solidFill>
+                <a:schemeClr val="tx1"/>
+              </a:solidFill>
+            </a:endParaRPr>
           </a:p>
         </p:txBody>
       </p:sp>
@@ -6812,7 +6820,7 @@
           <a:prstGeom prst="straightConnector1">
             <a:avLst/>
           </a:prstGeom>
-          <a:ln>
+          <a:ln w="38100">
             <a:tailEnd type="triangle"/>
           </a:ln>
         </p:spPr>
@@ -6874,14 +6882,26 @@
           <a:p>
             <a:pPr algn="ctr"/>
             <a:r>
-              <a:rPr kumimoji="1" lang="en-US" altLang="zh-CN" dirty="0"/>
+              <a:rPr kumimoji="1" lang="en-US" altLang="zh-CN" dirty="0">
+                <a:solidFill>
+                  <a:schemeClr val="tx1"/>
+                </a:solidFill>
+              </a:rPr>
               <a:t>Nelson-</a:t>
             </a:r>
             <a:r>
-              <a:rPr kumimoji="1" lang="en-US" altLang="zh-CN" dirty="0" err="1"/>
+              <a:rPr kumimoji="1" lang="en-US" altLang="zh-CN" dirty="0" err="1">
+                <a:solidFill>
+                  <a:schemeClr val="tx1"/>
+                </a:solidFill>
+              </a:rPr>
               <a:t>Oppen</a:t>
             </a:r>
-            <a:endParaRPr kumimoji="1" lang="zh-CN" altLang="en-US" dirty="0"/>
+            <a:endParaRPr kumimoji="1" lang="zh-CN" altLang="en-US" dirty="0">
+              <a:solidFill>
+                <a:schemeClr val="tx1"/>
+              </a:solidFill>
+            </a:endParaRPr>
           </a:p>
         </p:txBody>
       </p:sp>
@@ -6941,7 +6961,7 @@
           <a:prstGeom prst="straightConnector1">
             <a:avLst/>
           </a:prstGeom>
-          <a:ln>
+          <a:ln w="38100">
             <a:tailEnd type="triangle"/>
           </a:ln>
         </p:spPr>
@@ -6982,7 +7002,7 @@
           <a:prstGeom prst="straightConnector1">
             <a:avLst/>
           </a:prstGeom>
-          <a:ln>
+          <a:ln w="38100">
             <a:tailEnd type="triangle"/>
           </a:ln>
         </p:spPr>
@@ -7044,17 +7064,29 @@
           <a:p>
             <a:pPr algn="ctr"/>
             <a:r>
-              <a:rPr kumimoji="1" lang="en-US" altLang="zh-CN" dirty="0"/>
+              <a:rPr kumimoji="1" lang="en-US" altLang="zh-CN" dirty="0">
+                <a:solidFill>
+                  <a:schemeClr val="tx1"/>
+                </a:solidFill>
+              </a:rPr>
               <a:t>Theory</a:t>
             </a:r>
           </a:p>
           <a:p>
             <a:pPr algn="ctr"/>
             <a:r>
-              <a:rPr kumimoji="1" lang="en-US" altLang="zh-CN" dirty="0"/>
+              <a:rPr kumimoji="1" lang="en-US" altLang="zh-CN" dirty="0">
+                <a:solidFill>
+                  <a:schemeClr val="tx1"/>
+                </a:solidFill>
+              </a:rPr>
               <a:t>1</a:t>
             </a:r>
-            <a:endParaRPr kumimoji="1" lang="zh-CN" altLang="en-US" dirty="0"/>
+            <a:endParaRPr kumimoji="1" lang="zh-CN" altLang="en-US" dirty="0">
+              <a:solidFill>
+                <a:schemeClr val="tx1"/>
+              </a:solidFill>
+            </a:endParaRPr>
           </a:p>
         </p:txBody>
       </p:sp>
@@ -7101,17 +7133,29 @@
           <a:p>
             <a:pPr algn="ctr"/>
             <a:r>
-              <a:rPr kumimoji="1" lang="en-US" altLang="zh-CN" dirty="0"/>
+              <a:rPr kumimoji="1" lang="en-US" altLang="zh-CN" dirty="0">
+                <a:solidFill>
+                  <a:schemeClr val="tx1"/>
+                </a:solidFill>
+              </a:rPr>
               <a:t>Theory</a:t>
             </a:r>
           </a:p>
           <a:p>
             <a:pPr algn="ctr"/>
             <a:r>
-              <a:rPr kumimoji="1" lang="en-US" altLang="zh-CN" dirty="0"/>
+              <a:rPr kumimoji="1" lang="en-US" altLang="zh-CN" dirty="0">
+                <a:solidFill>
+                  <a:schemeClr val="tx1"/>
+                </a:solidFill>
+              </a:rPr>
               <a:t>2</a:t>
             </a:r>
-            <a:endParaRPr kumimoji="1" lang="zh-CN" altLang="en-US" dirty="0"/>
+            <a:endParaRPr kumimoji="1" lang="zh-CN" altLang="en-US" dirty="0">
+              <a:solidFill>
+                <a:schemeClr val="tx1"/>
+              </a:solidFill>
+            </a:endParaRPr>
           </a:p>
         </p:txBody>
       </p:sp>
@@ -7158,17 +7202,29 @@
           <a:p>
             <a:pPr algn="ctr"/>
             <a:r>
-              <a:rPr kumimoji="1" lang="en-US" altLang="zh-CN" dirty="0"/>
+              <a:rPr kumimoji="1" lang="en-US" altLang="zh-CN" dirty="0">
+                <a:solidFill>
+                  <a:schemeClr val="tx1"/>
+                </a:solidFill>
+              </a:rPr>
               <a:t>Theory</a:t>
             </a:r>
           </a:p>
           <a:p>
             <a:pPr algn="ctr"/>
             <a:r>
-              <a:rPr kumimoji="1" lang="en-US" altLang="zh-CN" dirty="0"/>
+              <a:rPr kumimoji="1" lang="en-US" altLang="zh-CN" dirty="0">
+                <a:solidFill>
+                  <a:schemeClr val="tx1"/>
+                </a:solidFill>
+              </a:rPr>
               <a:t>n</a:t>
             </a:r>
-            <a:endParaRPr kumimoji="1" lang="zh-CN" altLang="en-US" dirty="0"/>
+            <a:endParaRPr kumimoji="1" lang="zh-CN" altLang="en-US" dirty="0">
+              <a:solidFill>
+                <a:schemeClr val="tx1"/>
+              </a:solidFill>
+            </a:endParaRPr>
           </a:p>
         </p:txBody>
       </p:sp>
@@ -7194,7 +7250,7 @@
           <a:prstGeom prst="straightConnector1">
             <a:avLst/>
           </a:prstGeom>
-          <a:ln>
+          <a:ln w="38100">
             <a:tailEnd type="triangle"/>
           </a:ln>
         </p:spPr>
@@ -7236,7 +7292,7 @@
           <a:prstGeom prst="straightConnector1">
             <a:avLst/>
           </a:prstGeom>
-          <a:ln>
+          <a:ln w="38100">
             <a:tailEnd type="triangle"/>
           </a:ln>
         </p:spPr>
@@ -7277,7 +7333,7 @@
           <a:prstGeom prst="straightConnector1">
             <a:avLst/>
           </a:prstGeom>
-          <a:ln>
+          <a:ln w="38100">
             <a:tailEnd type="triangle"/>
           </a:ln>
         </p:spPr>
@@ -7318,7 +7374,7 @@
           <a:prstGeom prst="straightConnector1">
             <a:avLst/>
           </a:prstGeom>
-          <a:ln>
+          <a:ln w="38100">
             <a:tailEnd type="triangle"/>
           </a:ln>
         </p:spPr>
@@ -7359,7 +7415,7 @@
           <a:prstGeom prst="straightConnector1">
             <a:avLst/>
           </a:prstGeom>
-          <a:ln>
+          <a:ln w="38100">
             <a:tailEnd type="triangle"/>
           </a:ln>
         </p:spPr>
@@ -7400,7 +7456,7 @@
           <a:prstGeom prst="straightConnector1">
             <a:avLst/>
           </a:prstGeom>
-          <a:ln>
+          <a:ln w="38100">
             <a:tailEnd type="triangle"/>
           </a:ln>
         </p:spPr>
@@ -7455,8 +7511,8 @@
           </a:p>
         </p:txBody>
       </p:sp>
-      <mc:AlternateContent xmlns:mc="http://schemas.openxmlformats.org/markup-compatibility/2006">
-        <mc:Choice xmlns:a14="http://schemas.microsoft.com/office/drawing/2010/main" Requires="a14">
+      <mc:AlternateContent xmlns:mc="http://schemas.openxmlformats.org/markup-compatibility/2006" xmlns:a14="http://schemas.microsoft.com/office/drawing/2010/main">
+        <mc:Choice Requires="a14">
           <p:sp>
             <p:nvSpPr>
               <p:cNvPr id="25" name="内容占位符 2">
@@ -8141,7 +8197,7 @@
             </p:txBody>
           </p:sp>
         </mc:Choice>
-        <mc:Fallback>
+        <mc:Fallback xmlns="">
           <p:sp>
             <p:nvSpPr>
               <p:cNvPr id="25" name="内容占位符 2">
@@ -9874,8 +9930,8 @@
           </a:p>
         </p:txBody>
       </p:sp>
-      <mc:AlternateContent xmlns:mc="http://schemas.openxmlformats.org/markup-compatibility/2006">
-        <mc:Choice xmlns:a14="http://schemas.microsoft.com/office/drawing/2010/main" Requires="a14">
+      <mc:AlternateContent xmlns:mc="http://schemas.openxmlformats.org/markup-compatibility/2006" xmlns:a14="http://schemas.microsoft.com/office/drawing/2010/main">
+        <mc:Choice Requires="a14">
           <p:sp>
             <p:nvSpPr>
               <p:cNvPr id="3" name="内容占位符 2">
@@ -10054,7 +10110,7 @@
             </p:txBody>
           </p:sp>
         </mc:Choice>
-        <mc:Fallback>
+        <mc:Fallback xmlns="">
           <p:sp>
             <p:nvSpPr>
               <p:cNvPr id="3" name="内容占位符 2">
@@ -10496,10 +10552,18 @@
           <a:p>
             <a:pPr algn="ctr"/>
             <a:r>
-              <a:rPr kumimoji="1" lang="en-US" altLang="zh-CN" dirty="0"/>
+              <a:rPr kumimoji="1" lang="en-US" altLang="zh-CN" dirty="0">
+                <a:solidFill>
+                  <a:schemeClr val="tx1"/>
+                </a:solidFill>
+              </a:rPr>
               <a:t>DPLL</a:t>
             </a:r>
-            <a:endParaRPr kumimoji="1" lang="zh-CN" altLang="en-US" dirty="0"/>
+            <a:endParaRPr kumimoji="1" lang="zh-CN" altLang="en-US" dirty="0">
+              <a:solidFill>
+                <a:schemeClr val="tx1"/>
+              </a:solidFill>
+            </a:endParaRPr>
           </a:p>
         </p:txBody>
       </p:sp>
@@ -10526,7 +10590,7 @@
           <a:prstGeom prst="straightConnector1">
             <a:avLst/>
           </a:prstGeom>
-          <a:ln>
+          <a:ln w="38100">
             <a:tailEnd type="triangle"/>
           </a:ln>
         </p:spPr>
@@ -10588,14 +10652,26 @@
           <a:p>
             <a:pPr algn="ctr"/>
             <a:r>
-              <a:rPr kumimoji="1" lang="en-US" altLang="zh-CN" dirty="0"/>
+              <a:rPr kumimoji="1" lang="en-US" altLang="zh-CN" dirty="0">
+                <a:solidFill>
+                  <a:schemeClr val="tx1"/>
+                </a:solidFill>
+              </a:rPr>
               <a:t>Nelson-</a:t>
             </a:r>
             <a:r>
-              <a:rPr kumimoji="1" lang="en-US" altLang="zh-CN" dirty="0" err="1"/>
+              <a:rPr kumimoji="1" lang="en-US" altLang="zh-CN" dirty="0" err="1">
+                <a:solidFill>
+                  <a:schemeClr val="tx1"/>
+                </a:solidFill>
+              </a:rPr>
               <a:t>Oppen</a:t>
             </a:r>
-            <a:endParaRPr kumimoji="1" lang="zh-CN" altLang="en-US" dirty="0"/>
+            <a:endParaRPr kumimoji="1" lang="zh-CN" altLang="en-US" dirty="0">
+              <a:solidFill>
+                <a:schemeClr val="tx1"/>
+              </a:solidFill>
+            </a:endParaRPr>
           </a:p>
         </p:txBody>
       </p:sp>
@@ -10655,7 +10731,7 @@
           <a:prstGeom prst="straightConnector1">
             <a:avLst/>
           </a:prstGeom>
-          <a:ln>
+          <a:ln w="38100">
             <a:tailEnd type="triangle"/>
           </a:ln>
         </p:spPr>
@@ -10696,7 +10772,7 @@
           <a:prstGeom prst="straightConnector1">
             <a:avLst/>
           </a:prstGeom>
-          <a:ln>
+          <a:ln w="38100">
             <a:tailEnd type="triangle"/>
           </a:ln>
         </p:spPr>
@@ -10793,7 +10869,7 @@
           <a:prstGeom prst="straightConnector1">
             <a:avLst/>
           </a:prstGeom>
-          <a:ln>
+          <a:ln w="38100">
             <a:tailEnd type="triangle"/>
           </a:ln>
         </p:spPr>
@@ -10855,17 +10931,29 @@
           <a:p>
             <a:pPr algn="ctr"/>
             <a:r>
-              <a:rPr kumimoji="1" lang="en-US" altLang="zh-CN" dirty="0"/>
+              <a:rPr kumimoji="1" lang="en-US" altLang="zh-CN" dirty="0">
+                <a:solidFill>
+                  <a:schemeClr val="tx1"/>
+                </a:solidFill>
+              </a:rPr>
               <a:t>Theory</a:t>
             </a:r>
           </a:p>
           <a:p>
             <a:pPr algn="ctr"/>
             <a:r>
-              <a:rPr kumimoji="1" lang="en-US" altLang="zh-CN" dirty="0"/>
+              <a:rPr kumimoji="1" lang="en-US" altLang="zh-CN" dirty="0">
+                <a:solidFill>
+                  <a:schemeClr val="tx1"/>
+                </a:solidFill>
+              </a:rPr>
               <a:t>1</a:t>
             </a:r>
-            <a:endParaRPr kumimoji="1" lang="zh-CN" altLang="en-US" dirty="0"/>
+            <a:endParaRPr kumimoji="1" lang="zh-CN" altLang="en-US" dirty="0">
+              <a:solidFill>
+                <a:schemeClr val="tx1"/>
+              </a:solidFill>
+            </a:endParaRPr>
           </a:p>
         </p:txBody>
       </p:sp>
@@ -10912,17 +11000,29 @@
           <a:p>
             <a:pPr algn="ctr"/>
             <a:r>
-              <a:rPr kumimoji="1" lang="en-US" altLang="zh-CN" dirty="0"/>
+              <a:rPr kumimoji="1" lang="en-US" altLang="zh-CN" dirty="0">
+                <a:solidFill>
+                  <a:schemeClr val="tx1"/>
+                </a:solidFill>
+              </a:rPr>
               <a:t>Theory</a:t>
             </a:r>
           </a:p>
           <a:p>
             <a:pPr algn="ctr"/>
             <a:r>
-              <a:rPr kumimoji="1" lang="en-US" altLang="zh-CN" dirty="0"/>
+              <a:rPr kumimoji="1" lang="en-US" altLang="zh-CN" dirty="0">
+                <a:solidFill>
+                  <a:schemeClr val="tx1"/>
+                </a:solidFill>
+              </a:rPr>
               <a:t>2</a:t>
             </a:r>
-            <a:endParaRPr kumimoji="1" lang="zh-CN" altLang="en-US" dirty="0"/>
+            <a:endParaRPr kumimoji="1" lang="zh-CN" altLang="en-US" dirty="0">
+              <a:solidFill>
+                <a:schemeClr val="tx1"/>
+              </a:solidFill>
+            </a:endParaRPr>
           </a:p>
         </p:txBody>
       </p:sp>
@@ -10969,17 +11069,29 @@
           <a:p>
             <a:pPr algn="ctr"/>
             <a:r>
-              <a:rPr kumimoji="1" lang="en-US" altLang="zh-CN" dirty="0"/>
+              <a:rPr kumimoji="1" lang="en-US" altLang="zh-CN" dirty="0">
+                <a:solidFill>
+                  <a:schemeClr val="tx1"/>
+                </a:solidFill>
+              </a:rPr>
               <a:t>Theory</a:t>
             </a:r>
           </a:p>
           <a:p>
             <a:pPr algn="ctr"/>
             <a:r>
-              <a:rPr kumimoji="1" lang="en-US" altLang="zh-CN" dirty="0"/>
+              <a:rPr kumimoji="1" lang="en-US" altLang="zh-CN" dirty="0">
+                <a:solidFill>
+                  <a:schemeClr val="tx1"/>
+                </a:solidFill>
+              </a:rPr>
               <a:t>n</a:t>
             </a:r>
-            <a:endParaRPr kumimoji="1" lang="zh-CN" altLang="en-US" dirty="0"/>
+            <a:endParaRPr kumimoji="1" lang="zh-CN" altLang="en-US" dirty="0">
+              <a:solidFill>
+                <a:schemeClr val="tx1"/>
+              </a:solidFill>
+            </a:endParaRPr>
           </a:p>
         </p:txBody>
       </p:sp>
@@ -11005,7 +11117,7 @@
           <a:prstGeom prst="straightConnector1">
             <a:avLst/>
           </a:prstGeom>
-          <a:ln>
+          <a:ln w="38100">
             <a:tailEnd type="triangle"/>
           </a:ln>
         </p:spPr>
@@ -11047,7 +11159,7 @@
           <a:prstGeom prst="straightConnector1">
             <a:avLst/>
           </a:prstGeom>
-          <a:ln>
+          <a:ln w="38100">
             <a:tailEnd type="triangle"/>
           </a:ln>
         </p:spPr>
@@ -11088,7 +11200,7 @@
           <a:prstGeom prst="straightConnector1">
             <a:avLst/>
           </a:prstGeom>
-          <a:ln>
+          <a:ln w="38100">
             <a:tailEnd type="triangle"/>
           </a:ln>
         </p:spPr>
@@ -11129,7 +11241,7 @@
           <a:prstGeom prst="straightConnector1">
             <a:avLst/>
           </a:prstGeom>
-          <a:ln>
+          <a:ln w="38100">
             <a:tailEnd type="triangle"/>
           </a:ln>
         </p:spPr>
@@ -11170,7 +11282,7 @@
           <a:prstGeom prst="straightConnector1">
             <a:avLst/>
           </a:prstGeom>
-          <a:ln>
+          <a:ln w="38100">
             <a:tailEnd type="triangle"/>
           </a:ln>
         </p:spPr>
@@ -11211,7 +11323,7 @@
           <a:prstGeom prst="straightConnector1">
             <a:avLst/>
           </a:prstGeom>
-          <a:ln>
+          <a:ln w="38100">
             <a:tailEnd type="triangle"/>
           </a:ln>
         </p:spPr>
@@ -11338,7 +11450,7 @@
           <a:prstGeom prst="straightConnector1">
             <a:avLst/>
           </a:prstGeom>
-          <a:ln>
+          <a:ln w="38100">
             <a:tailEnd type="triangle"/>
           </a:ln>
         </p:spPr>
@@ -11424,8 +11536,8 @@
           </a:p>
         </p:txBody>
       </p:sp>
-      <mc:AlternateContent xmlns:mc="http://schemas.openxmlformats.org/markup-compatibility/2006">
-        <mc:Choice xmlns:a14="http://schemas.microsoft.com/office/drawing/2010/main" Requires="a14">
+      <mc:AlternateContent xmlns:mc="http://schemas.openxmlformats.org/markup-compatibility/2006" xmlns:a14="http://schemas.microsoft.com/office/drawing/2010/main">
+        <mc:Choice Requires="a14">
           <p:sp>
             <p:nvSpPr>
               <p:cNvPr id="3" name="内容占位符 2">
@@ -12207,7 +12319,7 @@
             </p:txBody>
           </p:sp>
         </mc:Choice>
-        <mc:Fallback>
+        <mc:Fallback xmlns="">
           <p:sp>
             <p:nvSpPr>
               <p:cNvPr id="3" name="内容占位符 2">
@@ -12294,10 +12406,18 @@
           <a:p>
             <a:pPr algn="ctr"/>
             <a:r>
-              <a:rPr kumimoji="1" lang="en-US" altLang="zh-CN" dirty="0"/>
+              <a:rPr kumimoji="1" lang="en-US" altLang="zh-CN" dirty="0">
+                <a:solidFill>
+                  <a:schemeClr val="tx1"/>
+                </a:solidFill>
+              </a:rPr>
               <a:t>DPLL</a:t>
             </a:r>
-            <a:endParaRPr kumimoji="1" lang="zh-CN" altLang="en-US" dirty="0"/>
+            <a:endParaRPr kumimoji="1" lang="zh-CN" altLang="en-US" dirty="0">
+              <a:solidFill>
+                <a:schemeClr val="tx1"/>
+              </a:solidFill>
+            </a:endParaRPr>
           </a:p>
         </p:txBody>
       </p:sp>
@@ -12324,7 +12444,7 @@
           <a:prstGeom prst="straightConnector1">
             <a:avLst/>
           </a:prstGeom>
-          <a:ln>
+          <a:ln w="38100">
             <a:tailEnd type="triangle"/>
           </a:ln>
         </p:spPr>
@@ -12386,14 +12506,26 @@
           <a:p>
             <a:pPr algn="ctr"/>
             <a:r>
-              <a:rPr kumimoji="1" lang="en-US" altLang="zh-CN" dirty="0"/>
+              <a:rPr kumimoji="1" lang="en-US" altLang="zh-CN" dirty="0">
+                <a:solidFill>
+                  <a:schemeClr val="tx1"/>
+                </a:solidFill>
+              </a:rPr>
               <a:t>Nelson-</a:t>
             </a:r>
             <a:r>
-              <a:rPr kumimoji="1" lang="en-US" altLang="zh-CN" dirty="0" err="1"/>
+              <a:rPr kumimoji="1" lang="en-US" altLang="zh-CN" dirty="0" err="1">
+                <a:solidFill>
+                  <a:schemeClr val="tx1"/>
+                </a:solidFill>
+              </a:rPr>
               <a:t>Oppen</a:t>
             </a:r>
-            <a:endParaRPr kumimoji="1" lang="zh-CN" altLang="en-US" dirty="0"/>
+            <a:endParaRPr kumimoji="1" lang="zh-CN" altLang="en-US" dirty="0">
+              <a:solidFill>
+                <a:schemeClr val="tx1"/>
+              </a:solidFill>
+            </a:endParaRPr>
           </a:p>
         </p:txBody>
       </p:sp>
@@ -12453,7 +12585,7 @@
           <a:prstGeom prst="straightConnector1">
             <a:avLst/>
           </a:prstGeom>
-          <a:ln>
+          <a:ln w="38100">
             <a:tailEnd type="triangle"/>
           </a:ln>
         </p:spPr>
@@ -12494,7 +12626,7 @@
           <a:prstGeom prst="straightConnector1">
             <a:avLst/>
           </a:prstGeom>
-          <a:ln>
+          <a:ln w="38100">
             <a:tailEnd type="triangle"/>
           </a:ln>
         </p:spPr>
@@ -12535,7 +12667,7 @@
           <a:prstGeom prst="straightConnector1">
             <a:avLst/>
           </a:prstGeom>
-          <a:ln>
+          <a:ln w="38100">
             <a:tailEnd type="triangle"/>
           </a:ln>
         </p:spPr>
@@ -12597,17 +12729,29 @@
           <a:p>
             <a:pPr algn="ctr"/>
             <a:r>
-              <a:rPr kumimoji="1" lang="en-US" altLang="zh-CN" dirty="0"/>
+              <a:rPr kumimoji="1" lang="en-US" altLang="zh-CN" dirty="0">
+                <a:solidFill>
+                  <a:schemeClr val="tx1"/>
+                </a:solidFill>
+              </a:rPr>
               <a:t>Theory</a:t>
             </a:r>
           </a:p>
           <a:p>
             <a:pPr algn="ctr"/>
             <a:r>
-              <a:rPr kumimoji="1" lang="en-US" altLang="zh-CN" dirty="0"/>
+              <a:rPr kumimoji="1" lang="en-US" altLang="zh-CN" dirty="0">
+                <a:solidFill>
+                  <a:schemeClr val="tx1"/>
+                </a:solidFill>
+              </a:rPr>
               <a:t>1</a:t>
             </a:r>
-            <a:endParaRPr kumimoji="1" lang="zh-CN" altLang="en-US" dirty="0"/>
+            <a:endParaRPr kumimoji="1" lang="zh-CN" altLang="en-US" dirty="0">
+              <a:solidFill>
+                <a:schemeClr val="tx1"/>
+              </a:solidFill>
+            </a:endParaRPr>
           </a:p>
         </p:txBody>
       </p:sp>
@@ -12654,17 +12798,29 @@
           <a:p>
             <a:pPr algn="ctr"/>
             <a:r>
-              <a:rPr kumimoji="1" lang="en-US" altLang="zh-CN" dirty="0"/>
+              <a:rPr kumimoji="1" lang="en-US" altLang="zh-CN" dirty="0">
+                <a:solidFill>
+                  <a:schemeClr val="tx1"/>
+                </a:solidFill>
+              </a:rPr>
               <a:t>Theory</a:t>
             </a:r>
           </a:p>
           <a:p>
             <a:pPr algn="ctr"/>
             <a:r>
-              <a:rPr kumimoji="1" lang="en-US" altLang="zh-CN" dirty="0"/>
+              <a:rPr kumimoji="1" lang="en-US" altLang="zh-CN" dirty="0">
+                <a:solidFill>
+                  <a:schemeClr val="tx1"/>
+                </a:solidFill>
+              </a:rPr>
               <a:t>2</a:t>
             </a:r>
-            <a:endParaRPr kumimoji="1" lang="zh-CN" altLang="en-US" dirty="0"/>
+            <a:endParaRPr kumimoji="1" lang="zh-CN" altLang="en-US" dirty="0">
+              <a:solidFill>
+                <a:schemeClr val="tx1"/>
+              </a:solidFill>
+            </a:endParaRPr>
           </a:p>
         </p:txBody>
       </p:sp>
@@ -12711,17 +12867,29 @@
           <a:p>
             <a:pPr algn="ctr"/>
             <a:r>
-              <a:rPr kumimoji="1" lang="en-US" altLang="zh-CN" dirty="0"/>
+              <a:rPr kumimoji="1" lang="en-US" altLang="zh-CN" dirty="0">
+                <a:solidFill>
+                  <a:schemeClr val="tx1"/>
+                </a:solidFill>
+              </a:rPr>
               <a:t>Theory</a:t>
             </a:r>
           </a:p>
           <a:p>
             <a:pPr algn="ctr"/>
             <a:r>
-              <a:rPr kumimoji="1" lang="en-US" altLang="zh-CN" dirty="0"/>
+              <a:rPr kumimoji="1" lang="en-US" altLang="zh-CN" dirty="0">
+                <a:solidFill>
+                  <a:schemeClr val="tx1"/>
+                </a:solidFill>
+              </a:rPr>
               <a:t>n</a:t>
             </a:r>
-            <a:endParaRPr kumimoji="1" lang="zh-CN" altLang="en-US" dirty="0"/>
+            <a:endParaRPr kumimoji="1" lang="zh-CN" altLang="en-US" dirty="0">
+              <a:solidFill>
+                <a:schemeClr val="tx1"/>
+              </a:solidFill>
+            </a:endParaRPr>
           </a:p>
         </p:txBody>
       </p:sp>
@@ -12747,7 +12915,7 @@
           <a:prstGeom prst="straightConnector1">
             <a:avLst/>
           </a:prstGeom>
-          <a:ln>
+          <a:ln w="38100">
             <a:tailEnd type="triangle"/>
           </a:ln>
         </p:spPr>
@@ -12789,7 +12957,7 @@
           <a:prstGeom prst="straightConnector1">
             <a:avLst/>
           </a:prstGeom>
-          <a:ln>
+          <a:ln w="38100">
             <a:tailEnd type="triangle"/>
           </a:ln>
         </p:spPr>
@@ -12830,7 +12998,7 @@
           <a:prstGeom prst="straightConnector1">
             <a:avLst/>
           </a:prstGeom>
-          <a:ln>
+          <a:ln w="38100">
             <a:tailEnd type="triangle"/>
           </a:ln>
         </p:spPr>
@@ -12871,7 +13039,7 @@
           <a:prstGeom prst="straightConnector1">
             <a:avLst/>
           </a:prstGeom>
-          <a:ln>
+          <a:ln w="38100">
             <a:tailEnd type="triangle"/>
           </a:ln>
         </p:spPr>
@@ -12912,7 +13080,7 @@
           <a:prstGeom prst="straightConnector1">
             <a:avLst/>
           </a:prstGeom>
-          <a:ln>
+          <a:ln w="38100">
             <a:tailEnd type="triangle"/>
           </a:ln>
         </p:spPr>
@@ -12953,7 +13121,7 @@
           <a:prstGeom prst="straightConnector1">
             <a:avLst/>
           </a:prstGeom>
-          <a:ln>
+          <a:ln w="38100">
             <a:tailEnd type="triangle"/>
           </a:ln>
         </p:spPr>
@@ -13030,7 +13198,7 @@
           <a:prstGeom prst="straightConnector1">
             <a:avLst/>
           </a:prstGeom>
-          <a:ln>
+          <a:ln w="38100">
             <a:tailEnd type="triangle"/>
           </a:ln>
         </p:spPr>
@@ -13071,7 +13239,7 @@
           <a:prstGeom prst="straightConnector1">
             <a:avLst/>
           </a:prstGeom>
-          <a:ln>
+          <a:ln w="38100">
             <a:tailEnd type="triangle"/>
           </a:ln>
         </p:spPr>
@@ -13112,7 +13280,7 @@
           <a:prstGeom prst="straightConnector1">
             <a:avLst/>
           </a:prstGeom>
-          <a:ln>
+          <a:ln w="38100">
             <a:tailEnd type="triangle"/>
           </a:ln>
         </p:spPr>
@@ -13153,7 +13321,7 @@
           <a:prstGeom prst="straightConnector1">
             <a:avLst/>
           </a:prstGeom>
-          <a:ln>
+          <a:ln w="38100">
             <a:tailEnd type="triangle"/>
           </a:ln>
         </p:spPr>
@@ -14121,8 +14289,8 @@
           </a:p>
         </p:txBody>
       </p:sp>
-      <mc:AlternateContent xmlns:mc="http://schemas.openxmlformats.org/markup-compatibility/2006">
-        <mc:Choice xmlns:a14="http://schemas.microsoft.com/office/drawing/2010/main" Requires="a14">
+      <mc:AlternateContent xmlns:mc="http://schemas.openxmlformats.org/markup-compatibility/2006" xmlns:a14="http://schemas.microsoft.com/office/drawing/2010/main">
+        <mc:Choice Requires="a14">
           <p:sp>
             <p:nvSpPr>
               <p:cNvPr id="3" name="内容占位符 2">
@@ -14272,7 +14440,7 @@
             </p:txBody>
           </p:sp>
         </mc:Choice>
-        <mc:Fallback>
+        <mc:Fallback xmlns="">
           <p:sp>
             <p:nvSpPr>
               <p:cNvPr id="3" name="内容占位符 2">
@@ -14359,10 +14527,18 @@
           <a:p>
             <a:pPr algn="ctr"/>
             <a:r>
-              <a:rPr kumimoji="1" lang="en-US" altLang="zh-CN" dirty="0"/>
+              <a:rPr kumimoji="1" lang="en-US" altLang="zh-CN" dirty="0">
+                <a:solidFill>
+                  <a:schemeClr val="tx1"/>
+                </a:solidFill>
+              </a:rPr>
               <a:t>DPLL</a:t>
             </a:r>
-            <a:endParaRPr kumimoji="1" lang="zh-CN" altLang="en-US" dirty="0"/>
+            <a:endParaRPr kumimoji="1" lang="zh-CN" altLang="en-US" dirty="0">
+              <a:solidFill>
+                <a:schemeClr val="tx1"/>
+              </a:solidFill>
+            </a:endParaRPr>
           </a:p>
         </p:txBody>
       </p:sp>
@@ -14389,7 +14565,7 @@
           <a:prstGeom prst="straightConnector1">
             <a:avLst/>
           </a:prstGeom>
-          <a:ln>
+          <a:ln w="38100">
             <a:tailEnd type="triangle"/>
           </a:ln>
         </p:spPr>
@@ -14451,14 +14627,26 @@
           <a:p>
             <a:pPr algn="ctr"/>
             <a:r>
-              <a:rPr kumimoji="1" lang="en-US" altLang="zh-CN" dirty="0"/>
+              <a:rPr kumimoji="1" lang="en-US" altLang="zh-CN" dirty="0">
+                <a:solidFill>
+                  <a:schemeClr val="tx1"/>
+                </a:solidFill>
+              </a:rPr>
               <a:t>Nelson-</a:t>
             </a:r>
             <a:r>
-              <a:rPr kumimoji="1" lang="en-US" altLang="zh-CN" dirty="0" err="1"/>
+              <a:rPr kumimoji="1" lang="en-US" altLang="zh-CN" dirty="0" err="1">
+                <a:solidFill>
+                  <a:schemeClr val="tx1"/>
+                </a:solidFill>
+              </a:rPr>
               <a:t>Oppen</a:t>
             </a:r>
-            <a:endParaRPr kumimoji="1" lang="zh-CN" altLang="en-US" dirty="0"/>
+            <a:endParaRPr kumimoji="1" lang="zh-CN" altLang="en-US" dirty="0">
+              <a:solidFill>
+                <a:schemeClr val="tx1"/>
+              </a:solidFill>
+            </a:endParaRPr>
           </a:p>
         </p:txBody>
       </p:sp>
@@ -14518,7 +14706,7 @@
           <a:prstGeom prst="straightConnector1">
             <a:avLst/>
           </a:prstGeom>
-          <a:ln>
+          <a:ln w="38100">
             <a:tailEnd type="triangle"/>
           </a:ln>
         </p:spPr>
@@ -14559,7 +14747,7 @@
           <a:prstGeom prst="straightConnector1">
             <a:avLst/>
           </a:prstGeom>
-          <a:ln>
+          <a:ln w="38100">
             <a:tailEnd type="triangle"/>
           </a:ln>
         </p:spPr>
@@ -14621,17 +14809,29 @@
           <a:p>
             <a:pPr algn="ctr"/>
             <a:r>
-              <a:rPr kumimoji="1" lang="en-US" altLang="zh-CN" dirty="0"/>
+              <a:rPr kumimoji="1" lang="en-US" altLang="zh-CN" dirty="0">
+                <a:solidFill>
+                  <a:schemeClr val="tx1"/>
+                </a:solidFill>
+              </a:rPr>
               <a:t>Theory</a:t>
             </a:r>
           </a:p>
           <a:p>
             <a:pPr algn="ctr"/>
             <a:r>
-              <a:rPr kumimoji="1" lang="en-US" altLang="zh-CN" dirty="0"/>
+              <a:rPr kumimoji="1" lang="en-US" altLang="zh-CN" dirty="0">
+                <a:solidFill>
+                  <a:schemeClr val="tx1"/>
+                </a:solidFill>
+              </a:rPr>
               <a:t>1</a:t>
             </a:r>
-            <a:endParaRPr kumimoji="1" lang="zh-CN" altLang="en-US" dirty="0"/>
+            <a:endParaRPr kumimoji="1" lang="zh-CN" altLang="en-US" dirty="0">
+              <a:solidFill>
+                <a:schemeClr val="tx1"/>
+              </a:solidFill>
+            </a:endParaRPr>
           </a:p>
         </p:txBody>
       </p:sp>
@@ -14678,17 +14878,29 @@
           <a:p>
             <a:pPr algn="ctr"/>
             <a:r>
-              <a:rPr kumimoji="1" lang="en-US" altLang="zh-CN" dirty="0"/>
+              <a:rPr kumimoji="1" lang="en-US" altLang="zh-CN" dirty="0">
+                <a:solidFill>
+                  <a:schemeClr val="tx1"/>
+                </a:solidFill>
+              </a:rPr>
               <a:t>Theory</a:t>
             </a:r>
           </a:p>
           <a:p>
             <a:pPr algn="ctr"/>
             <a:r>
-              <a:rPr kumimoji="1" lang="en-US" altLang="zh-CN" dirty="0"/>
+              <a:rPr kumimoji="1" lang="en-US" altLang="zh-CN" dirty="0">
+                <a:solidFill>
+                  <a:schemeClr val="tx1"/>
+                </a:solidFill>
+              </a:rPr>
               <a:t>2</a:t>
             </a:r>
-            <a:endParaRPr kumimoji="1" lang="zh-CN" altLang="en-US" dirty="0"/>
+            <a:endParaRPr kumimoji="1" lang="zh-CN" altLang="en-US" dirty="0">
+              <a:solidFill>
+                <a:schemeClr val="tx1"/>
+              </a:solidFill>
+            </a:endParaRPr>
           </a:p>
         </p:txBody>
       </p:sp>
@@ -14735,17 +14947,29 @@
           <a:p>
             <a:pPr algn="ctr"/>
             <a:r>
-              <a:rPr kumimoji="1" lang="en-US" altLang="zh-CN" dirty="0"/>
+              <a:rPr kumimoji="1" lang="en-US" altLang="zh-CN" dirty="0">
+                <a:solidFill>
+                  <a:schemeClr val="tx1"/>
+                </a:solidFill>
+              </a:rPr>
               <a:t>Theory</a:t>
             </a:r>
           </a:p>
           <a:p>
             <a:pPr algn="ctr"/>
             <a:r>
-              <a:rPr kumimoji="1" lang="en-US" altLang="zh-CN" dirty="0"/>
+              <a:rPr kumimoji="1" lang="en-US" altLang="zh-CN" dirty="0">
+                <a:solidFill>
+                  <a:schemeClr val="tx1"/>
+                </a:solidFill>
+              </a:rPr>
               <a:t>n</a:t>
             </a:r>
-            <a:endParaRPr kumimoji="1" lang="zh-CN" altLang="en-US" dirty="0"/>
+            <a:endParaRPr kumimoji="1" lang="zh-CN" altLang="en-US" dirty="0">
+              <a:solidFill>
+                <a:schemeClr val="tx1"/>
+              </a:solidFill>
+            </a:endParaRPr>
           </a:p>
         </p:txBody>
       </p:sp>
@@ -14771,7 +14995,7 @@
           <a:prstGeom prst="straightConnector1">
             <a:avLst/>
           </a:prstGeom>
-          <a:ln>
+          <a:ln w="38100">
             <a:tailEnd type="triangle"/>
           </a:ln>
         </p:spPr>
@@ -14813,7 +15037,7 @@
           <a:prstGeom prst="straightConnector1">
             <a:avLst/>
           </a:prstGeom>
-          <a:ln>
+          <a:ln w="38100">
             <a:tailEnd type="triangle"/>
           </a:ln>
         </p:spPr>
@@ -14854,7 +15078,7 @@
           <a:prstGeom prst="straightConnector1">
             <a:avLst/>
           </a:prstGeom>
-          <a:ln>
+          <a:ln w="38100">
             <a:tailEnd type="triangle"/>
           </a:ln>
         </p:spPr>
@@ -14895,7 +15119,7 @@
           <a:prstGeom prst="straightConnector1">
             <a:avLst/>
           </a:prstGeom>
-          <a:ln>
+          <a:ln w="38100">
             <a:tailEnd type="triangle"/>
           </a:ln>
         </p:spPr>
@@ -14936,7 +15160,7 @@
           <a:prstGeom prst="straightConnector1">
             <a:avLst/>
           </a:prstGeom>
-          <a:ln>
+          <a:ln w="38100">
             <a:tailEnd type="triangle"/>
           </a:ln>
         </p:spPr>
@@ -14977,7 +15201,7 @@
           <a:prstGeom prst="straightConnector1">
             <a:avLst/>
           </a:prstGeom>
-          <a:ln>
+          <a:ln w="38100">
             <a:tailEnd type="triangle"/>
           </a:ln>
         </p:spPr>
@@ -15032,8 +15256,8 @@
           </a:p>
         </p:txBody>
       </p:sp>
-      <mc:AlternateContent xmlns:mc="http://schemas.openxmlformats.org/markup-compatibility/2006">
-        <mc:Choice xmlns:a14="http://schemas.microsoft.com/office/drawing/2010/main" Requires="a14">
+      <mc:AlternateContent xmlns:mc="http://schemas.openxmlformats.org/markup-compatibility/2006" xmlns:a14="http://schemas.microsoft.com/office/drawing/2010/main">
+        <mc:Choice Requires="a14">
           <p:sp>
             <p:nvSpPr>
               <p:cNvPr id="25" name="内容占位符 2">
@@ -15406,7 +15630,7 @@
             </p:txBody>
           </p:sp>
         </mc:Choice>
-        <mc:Fallback>
+        <mc:Fallback xmlns="">
           <p:sp>
             <p:nvSpPr>
               <p:cNvPr id="25" name="内容占位符 2">
@@ -15473,8 +15697,8 @@
           </p:sp>
         </mc:Fallback>
       </mc:AlternateContent>
-      <mc:AlternateContent xmlns:mc="http://schemas.openxmlformats.org/markup-compatibility/2006">
-        <mc:Choice xmlns:a14="http://schemas.microsoft.com/office/drawing/2010/main" Requires="a14">
+      <mc:AlternateContent xmlns:mc="http://schemas.openxmlformats.org/markup-compatibility/2006" xmlns:a14="http://schemas.microsoft.com/office/drawing/2010/main">
+        <mc:Choice Requires="a14">
           <p:sp>
             <p:nvSpPr>
               <p:cNvPr id="27" name="内容占位符 2">
@@ -15868,7 +16092,7 @@
             </p:txBody>
           </p:sp>
         </mc:Choice>
-        <mc:Fallback>
+        <mc:Fallback xmlns="">
           <p:sp>
             <p:nvSpPr>
               <p:cNvPr id="27" name="内容占位符 2">
@@ -15935,8 +16159,8 @@
           </p:sp>
         </mc:Fallback>
       </mc:AlternateContent>
-      <mc:AlternateContent xmlns:mc="http://schemas.openxmlformats.org/markup-compatibility/2006">
-        <mc:Choice xmlns:a14="http://schemas.microsoft.com/office/drawing/2010/main" Requires="a14">
+      <mc:AlternateContent xmlns:mc="http://schemas.openxmlformats.org/markup-compatibility/2006" xmlns:a14="http://schemas.microsoft.com/office/drawing/2010/main">
+        <mc:Choice Requires="a14">
           <p:sp>
             <p:nvSpPr>
               <p:cNvPr id="29" name="内容占位符 2">
@@ -16309,7 +16533,7 @@
             </p:txBody>
           </p:sp>
         </mc:Choice>
-        <mc:Fallback>
+        <mc:Fallback xmlns="">
           <p:sp>
             <p:nvSpPr>
               <p:cNvPr id="29" name="内容占位符 2">
@@ -16637,8 +16861,8 @@
           </a:p>
         </p:txBody>
       </p:sp>
-      <mc:AlternateContent xmlns:mc="http://schemas.openxmlformats.org/markup-compatibility/2006">
-        <mc:Choice xmlns:a14="http://schemas.microsoft.com/office/drawing/2010/main" Requires="a14">
+      <mc:AlternateContent xmlns:mc="http://schemas.openxmlformats.org/markup-compatibility/2006" xmlns:a14="http://schemas.microsoft.com/office/drawing/2010/main">
+        <mc:Choice Requires="a14">
           <p:sp>
             <p:nvSpPr>
               <p:cNvPr id="31" name="内容占位符 2">
@@ -17076,7 +17300,7 @@
             </p:txBody>
           </p:sp>
         </mc:Choice>
-        <mc:Fallback>
+        <mc:Fallback xmlns="">
           <p:sp>
             <p:nvSpPr>
               <p:cNvPr id="31" name="内容占位符 2">
@@ -17712,8 +17936,8 @@
           </a:p>
         </p:txBody>
       </p:sp>
-      <mc:AlternateContent xmlns:mc="http://schemas.openxmlformats.org/markup-compatibility/2006">
-        <mc:Choice xmlns:a14="http://schemas.microsoft.com/office/drawing/2010/main" Requires="a14">
+      <mc:AlternateContent xmlns:mc="http://schemas.openxmlformats.org/markup-compatibility/2006" xmlns:a14="http://schemas.microsoft.com/office/drawing/2010/main">
+        <mc:Choice Requires="a14">
           <p:sp>
             <p:nvSpPr>
               <p:cNvPr id="3" name="内容占位符 2">
@@ -17863,7 +18087,7 @@
             </p:txBody>
           </p:sp>
         </mc:Choice>
-        <mc:Fallback>
+        <mc:Fallback xmlns="">
           <p:sp>
             <p:nvSpPr>
               <p:cNvPr id="3" name="内容占位符 2">
@@ -17950,10 +18174,18 @@
           <a:p>
             <a:pPr algn="ctr"/>
             <a:r>
-              <a:rPr kumimoji="1" lang="en-US" altLang="zh-CN" dirty="0"/>
+              <a:rPr kumimoji="1" lang="en-US" altLang="zh-CN" dirty="0">
+                <a:solidFill>
+                  <a:schemeClr val="tx1"/>
+                </a:solidFill>
+              </a:rPr>
               <a:t>DPLL</a:t>
             </a:r>
-            <a:endParaRPr kumimoji="1" lang="zh-CN" altLang="en-US" dirty="0"/>
+            <a:endParaRPr kumimoji="1" lang="zh-CN" altLang="en-US" dirty="0">
+              <a:solidFill>
+                <a:schemeClr val="tx1"/>
+              </a:solidFill>
+            </a:endParaRPr>
           </a:p>
         </p:txBody>
       </p:sp>
@@ -17980,7 +18212,7 @@
           <a:prstGeom prst="straightConnector1">
             <a:avLst/>
           </a:prstGeom>
-          <a:ln>
+          <a:ln w="38100">
             <a:tailEnd type="triangle"/>
           </a:ln>
         </p:spPr>
@@ -18042,14 +18274,26 @@
           <a:p>
             <a:pPr algn="ctr"/>
             <a:r>
-              <a:rPr kumimoji="1" lang="en-US" altLang="zh-CN" dirty="0"/>
+              <a:rPr kumimoji="1" lang="en-US" altLang="zh-CN" dirty="0">
+                <a:solidFill>
+                  <a:schemeClr val="tx1"/>
+                </a:solidFill>
+              </a:rPr>
               <a:t>Nelson-</a:t>
             </a:r>
             <a:r>
-              <a:rPr kumimoji="1" lang="en-US" altLang="zh-CN" dirty="0" err="1"/>
+              <a:rPr kumimoji="1" lang="en-US" altLang="zh-CN" dirty="0" err="1">
+                <a:solidFill>
+                  <a:schemeClr val="tx1"/>
+                </a:solidFill>
+              </a:rPr>
               <a:t>Oppen</a:t>
             </a:r>
-            <a:endParaRPr kumimoji="1" lang="zh-CN" altLang="en-US" dirty="0"/>
+            <a:endParaRPr kumimoji="1" lang="zh-CN" altLang="en-US" dirty="0">
+              <a:solidFill>
+                <a:schemeClr val="tx1"/>
+              </a:solidFill>
+            </a:endParaRPr>
           </a:p>
         </p:txBody>
       </p:sp>
@@ -18109,7 +18353,7 @@
           <a:prstGeom prst="straightConnector1">
             <a:avLst/>
           </a:prstGeom>
-          <a:ln>
+          <a:ln w="38100">
             <a:tailEnd type="triangle"/>
           </a:ln>
         </p:spPr>
@@ -18150,7 +18394,7 @@
           <a:prstGeom prst="straightConnector1">
             <a:avLst/>
           </a:prstGeom>
-          <a:ln>
+          <a:ln w="38100">
             <a:tailEnd type="triangle"/>
           </a:ln>
         </p:spPr>
@@ -18212,17 +18456,29 @@
           <a:p>
             <a:pPr algn="ctr"/>
             <a:r>
-              <a:rPr kumimoji="1" lang="en-US" altLang="zh-CN" dirty="0"/>
+              <a:rPr kumimoji="1" lang="en-US" altLang="zh-CN" dirty="0">
+                <a:solidFill>
+                  <a:schemeClr val="tx1"/>
+                </a:solidFill>
+              </a:rPr>
               <a:t>Theory</a:t>
             </a:r>
           </a:p>
           <a:p>
             <a:pPr algn="ctr"/>
             <a:r>
-              <a:rPr kumimoji="1" lang="en-US" altLang="zh-CN" dirty="0"/>
+              <a:rPr kumimoji="1" lang="en-US" altLang="zh-CN" dirty="0">
+                <a:solidFill>
+                  <a:schemeClr val="tx1"/>
+                </a:solidFill>
+              </a:rPr>
               <a:t>1</a:t>
             </a:r>
-            <a:endParaRPr kumimoji="1" lang="zh-CN" altLang="en-US" dirty="0"/>
+            <a:endParaRPr kumimoji="1" lang="zh-CN" altLang="en-US" dirty="0">
+              <a:solidFill>
+                <a:schemeClr val="tx1"/>
+              </a:solidFill>
+            </a:endParaRPr>
           </a:p>
         </p:txBody>
       </p:sp>
@@ -18269,17 +18525,29 @@
           <a:p>
             <a:pPr algn="ctr"/>
             <a:r>
-              <a:rPr kumimoji="1" lang="en-US" altLang="zh-CN" dirty="0"/>
+              <a:rPr kumimoji="1" lang="en-US" altLang="zh-CN" dirty="0">
+                <a:solidFill>
+                  <a:schemeClr val="tx1"/>
+                </a:solidFill>
+              </a:rPr>
               <a:t>Theory</a:t>
             </a:r>
           </a:p>
           <a:p>
             <a:pPr algn="ctr"/>
             <a:r>
-              <a:rPr kumimoji="1" lang="en-US" altLang="zh-CN" dirty="0"/>
+              <a:rPr kumimoji="1" lang="en-US" altLang="zh-CN" dirty="0">
+                <a:solidFill>
+                  <a:schemeClr val="tx1"/>
+                </a:solidFill>
+              </a:rPr>
               <a:t>2</a:t>
             </a:r>
-            <a:endParaRPr kumimoji="1" lang="zh-CN" altLang="en-US" dirty="0"/>
+            <a:endParaRPr kumimoji="1" lang="zh-CN" altLang="en-US" dirty="0">
+              <a:solidFill>
+                <a:schemeClr val="tx1"/>
+              </a:solidFill>
+            </a:endParaRPr>
           </a:p>
         </p:txBody>
       </p:sp>
@@ -18326,17 +18594,29 @@
           <a:p>
             <a:pPr algn="ctr"/>
             <a:r>
-              <a:rPr kumimoji="1" lang="en-US" altLang="zh-CN" dirty="0"/>
+              <a:rPr kumimoji="1" lang="en-US" altLang="zh-CN" dirty="0">
+                <a:solidFill>
+                  <a:schemeClr val="tx1"/>
+                </a:solidFill>
+              </a:rPr>
               <a:t>Theory</a:t>
             </a:r>
           </a:p>
           <a:p>
             <a:pPr algn="ctr"/>
             <a:r>
-              <a:rPr kumimoji="1" lang="en-US" altLang="zh-CN" dirty="0"/>
+              <a:rPr kumimoji="1" lang="en-US" altLang="zh-CN" dirty="0">
+                <a:solidFill>
+                  <a:schemeClr val="tx1"/>
+                </a:solidFill>
+              </a:rPr>
               <a:t>n</a:t>
             </a:r>
-            <a:endParaRPr kumimoji="1" lang="zh-CN" altLang="en-US" dirty="0"/>
+            <a:endParaRPr kumimoji="1" lang="zh-CN" altLang="en-US" dirty="0">
+              <a:solidFill>
+                <a:schemeClr val="tx1"/>
+              </a:solidFill>
+            </a:endParaRPr>
           </a:p>
         </p:txBody>
       </p:sp>
@@ -18362,7 +18642,7 @@
           <a:prstGeom prst="straightConnector1">
             <a:avLst/>
           </a:prstGeom>
-          <a:ln>
+          <a:ln w="38100">
             <a:tailEnd type="triangle"/>
           </a:ln>
         </p:spPr>
@@ -18404,7 +18684,7 @@
           <a:prstGeom prst="straightConnector1">
             <a:avLst/>
           </a:prstGeom>
-          <a:ln>
+          <a:ln w="38100">
             <a:tailEnd type="triangle"/>
           </a:ln>
         </p:spPr>
@@ -18445,7 +18725,7 @@
           <a:prstGeom prst="straightConnector1">
             <a:avLst/>
           </a:prstGeom>
-          <a:ln>
+          <a:ln w="38100">
             <a:tailEnd type="triangle"/>
           </a:ln>
         </p:spPr>
@@ -18486,7 +18766,7 @@
           <a:prstGeom prst="straightConnector1">
             <a:avLst/>
           </a:prstGeom>
-          <a:ln>
+          <a:ln w="38100">
             <a:tailEnd type="triangle"/>
           </a:ln>
         </p:spPr>
@@ -18527,7 +18807,7 @@
           <a:prstGeom prst="straightConnector1">
             <a:avLst/>
           </a:prstGeom>
-          <a:ln>
+          <a:ln w="38100">
             <a:tailEnd type="triangle"/>
           </a:ln>
         </p:spPr>
@@ -18568,7 +18848,7 @@
           <a:prstGeom prst="straightConnector1">
             <a:avLst/>
           </a:prstGeom>
-          <a:ln>
+          <a:ln w="38100">
             <a:tailEnd type="triangle"/>
           </a:ln>
         </p:spPr>
@@ -18623,8 +18903,8 @@
           </a:p>
         </p:txBody>
       </p:sp>
-      <mc:AlternateContent xmlns:mc="http://schemas.openxmlformats.org/markup-compatibility/2006">
-        <mc:Choice xmlns:a14="http://schemas.microsoft.com/office/drawing/2010/main" Requires="a14">
+      <mc:AlternateContent xmlns:mc="http://schemas.openxmlformats.org/markup-compatibility/2006" xmlns:a14="http://schemas.microsoft.com/office/drawing/2010/main">
+        <mc:Choice Requires="a14">
           <p:sp>
             <p:nvSpPr>
               <p:cNvPr id="25" name="内容占位符 2">
@@ -19063,7 +19343,7 @@
             </p:txBody>
           </p:sp>
         </mc:Choice>
-        <mc:Fallback>
+        <mc:Fallback xmlns="">
           <p:sp>
             <p:nvSpPr>
               <p:cNvPr id="25" name="内容占位符 2">
@@ -19130,8 +19410,8 @@
           </p:sp>
         </mc:Fallback>
       </mc:AlternateContent>
-      <mc:AlternateContent xmlns:mc="http://schemas.openxmlformats.org/markup-compatibility/2006">
-        <mc:Choice xmlns:a14="http://schemas.microsoft.com/office/drawing/2010/main" Requires="a14">
+      <mc:AlternateContent xmlns:mc="http://schemas.openxmlformats.org/markup-compatibility/2006" xmlns:a14="http://schemas.microsoft.com/office/drawing/2010/main">
+        <mc:Choice Requires="a14">
           <p:sp>
             <p:nvSpPr>
               <p:cNvPr id="27" name="内容占位符 2">
@@ -19525,7 +19805,7 @@
             </p:txBody>
           </p:sp>
         </mc:Choice>
-        <mc:Fallback>
+        <mc:Fallback xmlns="">
           <p:sp>
             <p:nvSpPr>
               <p:cNvPr id="27" name="内容占位符 2">
@@ -19592,8 +19872,8 @@
           </p:sp>
         </mc:Fallback>
       </mc:AlternateContent>
-      <mc:AlternateContent xmlns:mc="http://schemas.openxmlformats.org/markup-compatibility/2006">
-        <mc:Choice xmlns:a14="http://schemas.microsoft.com/office/drawing/2010/main" Requires="a14">
+      <mc:AlternateContent xmlns:mc="http://schemas.openxmlformats.org/markup-compatibility/2006" xmlns:a14="http://schemas.microsoft.com/office/drawing/2010/main">
+        <mc:Choice Requires="a14">
           <p:sp>
             <p:nvSpPr>
               <p:cNvPr id="29" name="内容占位符 2">
@@ -19966,7 +20246,7 @@
             </p:txBody>
           </p:sp>
         </mc:Choice>
-        <mc:Fallback>
+        <mc:Fallback xmlns="">
           <p:sp>
             <p:nvSpPr>
               <p:cNvPr id="29" name="内容占位符 2">
@@ -20294,8 +20574,8 @@
           </a:p>
         </p:txBody>
       </p:sp>
-      <mc:AlternateContent xmlns:mc="http://schemas.openxmlformats.org/markup-compatibility/2006">
-        <mc:Choice xmlns:a14="http://schemas.microsoft.com/office/drawing/2010/main" Requires="a14">
+      <mc:AlternateContent xmlns:mc="http://schemas.openxmlformats.org/markup-compatibility/2006" xmlns:a14="http://schemas.microsoft.com/office/drawing/2010/main">
+        <mc:Choice Requires="a14">
           <p:sp>
             <p:nvSpPr>
               <p:cNvPr id="31" name="内容占位符 2">
@@ -20658,7 +20938,7 @@
             </p:txBody>
           </p:sp>
         </mc:Choice>
-        <mc:Fallback>
+        <mc:Fallback xmlns="">
           <p:sp>
             <p:nvSpPr>
               <p:cNvPr id="31" name="内容占位符 2">
@@ -21230,8 +21510,8 @@
           </a:p>
         </p:txBody>
       </p:sp>
-      <mc:AlternateContent xmlns:mc="http://schemas.openxmlformats.org/markup-compatibility/2006">
-        <mc:Choice xmlns:a14="http://schemas.microsoft.com/office/drawing/2010/main" Requires="a14">
+      <mc:AlternateContent xmlns:mc="http://schemas.openxmlformats.org/markup-compatibility/2006" xmlns:a14="http://schemas.microsoft.com/office/drawing/2010/main">
+        <mc:Choice Requires="a14">
           <p:sp>
             <p:nvSpPr>
               <p:cNvPr id="3" name="内容占位符 2">
@@ -21381,7 +21661,7 @@
             </p:txBody>
           </p:sp>
         </mc:Choice>
-        <mc:Fallback>
+        <mc:Fallback xmlns="">
           <p:sp>
             <p:nvSpPr>
               <p:cNvPr id="3" name="内容占位符 2">
@@ -21468,10 +21748,18 @@
           <a:p>
             <a:pPr algn="ctr"/>
             <a:r>
-              <a:rPr kumimoji="1" lang="en-US" altLang="zh-CN" dirty="0"/>
+              <a:rPr kumimoji="1" lang="en-US" altLang="zh-CN" dirty="0">
+                <a:solidFill>
+                  <a:schemeClr val="tx1"/>
+                </a:solidFill>
+              </a:rPr>
               <a:t>DPLL</a:t>
             </a:r>
-            <a:endParaRPr kumimoji="1" lang="zh-CN" altLang="en-US" dirty="0"/>
+            <a:endParaRPr kumimoji="1" lang="zh-CN" altLang="en-US" dirty="0">
+              <a:solidFill>
+                <a:schemeClr val="tx1"/>
+              </a:solidFill>
+            </a:endParaRPr>
           </a:p>
         </p:txBody>
       </p:sp>
@@ -21498,7 +21786,7 @@
           <a:prstGeom prst="straightConnector1">
             <a:avLst/>
           </a:prstGeom>
-          <a:ln>
+          <a:ln w="38100">
             <a:tailEnd type="triangle"/>
           </a:ln>
         </p:spPr>
@@ -21560,14 +21848,26 @@
           <a:p>
             <a:pPr algn="ctr"/>
             <a:r>
-              <a:rPr kumimoji="1" lang="en-US" altLang="zh-CN" dirty="0"/>
+              <a:rPr kumimoji="1" lang="en-US" altLang="zh-CN" dirty="0">
+                <a:solidFill>
+                  <a:schemeClr val="tx1"/>
+                </a:solidFill>
+              </a:rPr>
               <a:t>Nelson-</a:t>
             </a:r>
             <a:r>
-              <a:rPr kumimoji="1" lang="en-US" altLang="zh-CN" dirty="0" err="1"/>
+              <a:rPr kumimoji="1" lang="en-US" altLang="zh-CN" dirty="0" err="1">
+                <a:solidFill>
+                  <a:schemeClr val="tx1"/>
+                </a:solidFill>
+              </a:rPr>
               <a:t>Oppen</a:t>
             </a:r>
-            <a:endParaRPr kumimoji="1" lang="zh-CN" altLang="en-US" dirty="0"/>
+            <a:endParaRPr kumimoji="1" lang="zh-CN" altLang="en-US" dirty="0">
+              <a:solidFill>
+                <a:schemeClr val="tx1"/>
+              </a:solidFill>
+            </a:endParaRPr>
           </a:p>
         </p:txBody>
       </p:sp>
@@ -21627,7 +21927,7 @@
           <a:prstGeom prst="straightConnector1">
             <a:avLst/>
           </a:prstGeom>
-          <a:ln>
+          <a:ln w="38100">
             <a:tailEnd type="triangle"/>
           </a:ln>
         </p:spPr>
@@ -21668,7 +21968,7 @@
           <a:prstGeom prst="straightConnector1">
             <a:avLst/>
           </a:prstGeom>
-          <a:ln>
+          <a:ln w="38100">
             <a:tailEnd type="triangle"/>
           </a:ln>
         </p:spPr>
@@ -21730,17 +22030,29 @@
           <a:p>
             <a:pPr algn="ctr"/>
             <a:r>
-              <a:rPr kumimoji="1" lang="en-US" altLang="zh-CN" dirty="0"/>
+              <a:rPr kumimoji="1" lang="en-US" altLang="zh-CN" dirty="0">
+                <a:solidFill>
+                  <a:schemeClr val="tx1"/>
+                </a:solidFill>
+              </a:rPr>
               <a:t>Theory</a:t>
             </a:r>
           </a:p>
           <a:p>
             <a:pPr algn="ctr"/>
             <a:r>
-              <a:rPr kumimoji="1" lang="en-US" altLang="zh-CN" dirty="0"/>
+              <a:rPr kumimoji="1" lang="en-US" altLang="zh-CN" dirty="0">
+                <a:solidFill>
+                  <a:schemeClr val="tx1"/>
+                </a:solidFill>
+              </a:rPr>
               <a:t>1</a:t>
             </a:r>
-            <a:endParaRPr kumimoji="1" lang="zh-CN" altLang="en-US" dirty="0"/>
+            <a:endParaRPr kumimoji="1" lang="zh-CN" altLang="en-US" dirty="0">
+              <a:solidFill>
+                <a:schemeClr val="tx1"/>
+              </a:solidFill>
+            </a:endParaRPr>
           </a:p>
         </p:txBody>
       </p:sp>
@@ -21787,17 +22099,29 @@
           <a:p>
             <a:pPr algn="ctr"/>
             <a:r>
-              <a:rPr kumimoji="1" lang="en-US" altLang="zh-CN" dirty="0"/>
+              <a:rPr kumimoji="1" lang="en-US" altLang="zh-CN" dirty="0">
+                <a:solidFill>
+                  <a:schemeClr val="tx1"/>
+                </a:solidFill>
+              </a:rPr>
               <a:t>Theory</a:t>
             </a:r>
           </a:p>
           <a:p>
             <a:pPr algn="ctr"/>
             <a:r>
-              <a:rPr kumimoji="1" lang="en-US" altLang="zh-CN" dirty="0"/>
+              <a:rPr kumimoji="1" lang="en-US" altLang="zh-CN" dirty="0">
+                <a:solidFill>
+                  <a:schemeClr val="tx1"/>
+                </a:solidFill>
+              </a:rPr>
               <a:t>2</a:t>
             </a:r>
-            <a:endParaRPr kumimoji="1" lang="zh-CN" altLang="en-US" dirty="0"/>
+            <a:endParaRPr kumimoji="1" lang="zh-CN" altLang="en-US" dirty="0">
+              <a:solidFill>
+                <a:schemeClr val="tx1"/>
+              </a:solidFill>
+            </a:endParaRPr>
           </a:p>
         </p:txBody>
       </p:sp>
@@ -21844,17 +22168,29 @@
           <a:p>
             <a:pPr algn="ctr"/>
             <a:r>
-              <a:rPr kumimoji="1" lang="en-US" altLang="zh-CN" dirty="0"/>
+              <a:rPr kumimoji="1" lang="en-US" altLang="zh-CN" dirty="0">
+                <a:solidFill>
+                  <a:schemeClr val="tx1"/>
+                </a:solidFill>
+              </a:rPr>
               <a:t>Theory</a:t>
             </a:r>
           </a:p>
           <a:p>
             <a:pPr algn="ctr"/>
             <a:r>
-              <a:rPr kumimoji="1" lang="en-US" altLang="zh-CN" dirty="0"/>
+              <a:rPr kumimoji="1" lang="en-US" altLang="zh-CN" dirty="0">
+                <a:solidFill>
+                  <a:schemeClr val="tx1"/>
+                </a:solidFill>
+              </a:rPr>
               <a:t>n</a:t>
             </a:r>
-            <a:endParaRPr kumimoji="1" lang="zh-CN" altLang="en-US" dirty="0"/>
+            <a:endParaRPr kumimoji="1" lang="zh-CN" altLang="en-US" dirty="0">
+              <a:solidFill>
+                <a:schemeClr val="tx1"/>
+              </a:solidFill>
+            </a:endParaRPr>
           </a:p>
         </p:txBody>
       </p:sp>
@@ -21880,7 +22216,7 @@
           <a:prstGeom prst="straightConnector1">
             <a:avLst/>
           </a:prstGeom>
-          <a:ln>
+          <a:ln w="38100">
             <a:tailEnd type="triangle"/>
           </a:ln>
         </p:spPr>
@@ -21922,7 +22258,7 @@
           <a:prstGeom prst="straightConnector1">
             <a:avLst/>
           </a:prstGeom>
-          <a:ln>
+          <a:ln w="38100">
             <a:tailEnd type="triangle"/>
           </a:ln>
         </p:spPr>
@@ -21963,7 +22299,7 @@
           <a:prstGeom prst="straightConnector1">
             <a:avLst/>
           </a:prstGeom>
-          <a:ln>
+          <a:ln w="38100">
             <a:tailEnd type="triangle"/>
           </a:ln>
         </p:spPr>
@@ -22004,7 +22340,7 @@
           <a:prstGeom prst="straightConnector1">
             <a:avLst/>
           </a:prstGeom>
-          <a:ln>
+          <a:ln w="38100">
             <a:tailEnd type="triangle"/>
           </a:ln>
         </p:spPr>
@@ -22045,7 +22381,7 @@
           <a:prstGeom prst="straightConnector1">
             <a:avLst/>
           </a:prstGeom>
-          <a:ln>
+          <a:ln w="38100">
             <a:tailEnd type="triangle"/>
           </a:ln>
         </p:spPr>
@@ -22086,7 +22422,7 @@
           <a:prstGeom prst="straightConnector1">
             <a:avLst/>
           </a:prstGeom>
-          <a:ln>
+          <a:ln w="38100">
             <a:tailEnd type="triangle"/>
           </a:ln>
         </p:spPr>
@@ -22141,8 +22477,8 @@
           </a:p>
         </p:txBody>
       </p:sp>
-      <mc:AlternateContent xmlns:mc="http://schemas.openxmlformats.org/markup-compatibility/2006">
-        <mc:Choice xmlns:a14="http://schemas.microsoft.com/office/drawing/2010/main" Requires="a14">
+      <mc:AlternateContent xmlns:mc="http://schemas.openxmlformats.org/markup-compatibility/2006" xmlns:a14="http://schemas.microsoft.com/office/drawing/2010/main">
+        <mc:Choice Requires="a14">
           <p:sp>
             <p:nvSpPr>
               <p:cNvPr id="25" name="内容占位符 2">
@@ -22680,7 +23016,7 @@
             </p:txBody>
           </p:sp>
         </mc:Choice>
-        <mc:Fallback>
+        <mc:Fallback xmlns="">
           <p:sp>
             <p:nvSpPr>
               <p:cNvPr id="25" name="内容占位符 2">
@@ -22747,8 +23083,8 @@
           </p:sp>
         </mc:Fallback>
       </mc:AlternateContent>
-      <mc:AlternateContent xmlns:mc="http://schemas.openxmlformats.org/markup-compatibility/2006">
-        <mc:Choice xmlns:a14="http://schemas.microsoft.com/office/drawing/2010/main" Requires="a14">
+      <mc:AlternateContent xmlns:mc="http://schemas.openxmlformats.org/markup-compatibility/2006" xmlns:a14="http://schemas.microsoft.com/office/drawing/2010/main">
+        <mc:Choice Requires="a14">
           <p:sp>
             <p:nvSpPr>
               <p:cNvPr id="27" name="内容占位符 2">
@@ -23142,7 +23478,7 @@
             </p:txBody>
           </p:sp>
         </mc:Choice>
-        <mc:Fallback>
+        <mc:Fallback xmlns="">
           <p:sp>
             <p:nvSpPr>
               <p:cNvPr id="27" name="内容占位符 2">
@@ -23209,8 +23545,8 @@
           </p:sp>
         </mc:Fallback>
       </mc:AlternateContent>
-      <mc:AlternateContent xmlns:mc="http://schemas.openxmlformats.org/markup-compatibility/2006">
-        <mc:Choice xmlns:a14="http://schemas.microsoft.com/office/drawing/2010/main" Requires="a14">
+      <mc:AlternateContent xmlns:mc="http://schemas.openxmlformats.org/markup-compatibility/2006" xmlns:a14="http://schemas.microsoft.com/office/drawing/2010/main">
+        <mc:Choice Requires="a14">
           <p:sp>
             <p:nvSpPr>
               <p:cNvPr id="29" name="内容占位符 2">
@@ -23583,7 +23919,7 @@
             </p:txBody>
           </p:sp>
         </mc:Choice>
-        <mc:Fallback>
+        <mc:Fallback xmlns="">
           <p:sp>
             <p:nvSpPr>
               <p:cNvPr id="29" name="内容占位符 2">
@@ -23911,8 +24247,8 @@
           </a:p>
         </p:txBody>
       </p:sp>
-      <mc:AlternateContent xmlns:mc="http://schemas.openxmlformats.org/markup-compatibility/2006">
-        <mc:Choice xmlns:a14="http://schemas.microsoft.com/office/drawing/2010/main" Requires="a14">
+      <mc:AlternateContent xmlns:mc="http://schemas.openxmlformats.org/markup-compatibility/2006" xmlns:a14="http://schemas.microsoft.com/office/drawing/2010/main">
+        <mc:Choice Requires="a14">
           <p:sp>
             <p:nvSpPr>
               <p:cNvPr id="31" name="内容占位符 2">
@@ -24275,7 +24611,7 @@
             </p:txBody>
           </p:sp>
         </mc:Choice>
-        <mc:Fallback>
+        <mc:Fallback xmlns="">
           <p:sp>
             <p:nvSpPr>
               <p:cNvPr id="31" name="内容占位符 2">
